--- a/docs/NMPG.pptx
+++ b/docs/NMPG.pptx
@@ -130,6 +130,11 @@
       </a:defRPr>
     </a:lvl9pPr>
   </p:defaultTextStyle>
+  <p:extLst>
+    <p:ext uri="{EFAFB233-063F-42B5-8137-9DF3F51BA10A}">
+      <p15:sldGuideLst xmlns:p15="http://schemas.microsoft.com/office/powerpoint/2012/main"/>
+    </p:ext>
+  </p:extLst>
 </p:presentation>
 </file>
 
@@ -280,7 +285,7 @@
           <a:p>
             <a:fld id="{40ABF17A-5FDE-47E5-A111-BE611ECC92B5}" type="datetimeFigureOut">
               <a:rPr lang="ko-KR" altLang="en-US" smtClean="0"/>
-              <a:t>2023-06-13</a:t>
+              <a:t>2023-06-14</a:t>
             </a:fld>
             <a:endParaRPr lang="ko-KR" altLang="en-US"/>
           </a:p>
@@ -478,7 +483,7 @@
           <a:p>
             <a:fld id="{40ABF17A-5FDE-47E5-A111-BE611ECC92B5}" type="datetimeFigureOut">
               <a:rPr lang="ko-KR" altLang="en-US" smtClean="0"/>
-              <a:t>2023-06-13</a:t>
+              <a:t>2023-06-14</a:t>
             </a:fld>
             <a:endParaRPr lang="ko-KR" altLang="en-US"/>
           </a:p>
@@ -686,7 +691,7 @@
           <a:p>
             <a:fld id="{40ABF17A-5FDE-47E5-A111-BE611ECC92B5}" type="datetimeFigureOut">
               <a:rPr lang="ko-KR" altLang="en-US" smtClean="0"/>
-              <a:t>2023-06-13</a:t>
+              <a:t>2023-06-14</a:t>
             </a:fld>
             <a:endParaRPr lang="ko-KR" altLang="en-US"/>
           </a:p>
@@ -884,7 +889,7 @@
           <a:p>
             <a:fld id="{40ABF17A-5FDE-47E5-A111-BE611ECC92B5}" type="datetimeFigureOut">
               <a:rPr lang="ko-KR" altLang="en-US" smtClean="0"/>
-              <a:t>2023-06-13</a:t>
+              <a:t>2023-06-14</a:t>
             </a:fld>
             <a:endParaRPr lang="ko-KR" altLang="en-US"/>
           </a:p>
@@ -1159,7 +1164,7 @@
           <a:p>
             <a:fld id="{40ABF17A-5FDE-47E5-A111-BE611ECC92B5}" type="datetimeFigureOut">
               <a:rPr lang="ko-KR" altLang="en-US" smtClean="0"/>
-              <a:t>2023-06-13</a:t>
+              <a:t>2023-06-14</a:t>
             </a:fld>
             <a:endParaRPr lang="ko-KR" altLang="en-US"/>
           </a:p>
@@ -1424,7 +1429,7 @@
           <a:p>
             <a:fld id="{40ABF17A-5FDE-47E5-A111-BE611ECC92B5}" type="datetimeFigureOut">
               <a:rPr lang="ko-KR" altLang="en-US" smtClean="0"/>
-              <a:t>2023-06-13</a:t>
+              <a:t>2023-06-14</a:t>
             </a:fld>
             <a:endParaRPr lang="ko-KR" altLang="en-US"/>
           </a:p>
@@ -1836,7 +1841,7 @@
           <a:p>
             <a:fld id="{40ABF17A-5FDE-47E5-A111-BE611ECC92B5}" type="datetimeFigureOut">
               <a:rPr lang="ko-KR" altLang="en-US" smtClean="0"/>
-              <a:t>2023-06-13</a:t>
+              <a:t>2023-06-14</a:t>
             </a:fld>
             <a:endParaRPr lang="ko-KR" altLang="en-US"/>
           </a:p>
@@ -1977,7 +1982,7 @@
           <a:p>
             <a:fld id="{40ABF17A-5FDE-47E5-A111-BE611ECC92B5}" type="datetimeFigureOut">
               <a:rPr lang="ko-KR" altLang="en-US" smtClean="0"/>
-              <a:t>2023-06-13</a:t>
+              <a:t>2023-06-14</a:t>
             </a:fld>
             <a:endParaRPr lang="ko-KR" altLang="en-US"/>
           </a:p>
@@ -2090,7 +2095,7 @@
           <a:p>
             <a:fld id="{40ABF17A-5FDE-47E5-A111-BE611ECC92B5}" type="datetimeFigureOut">
               <a:rPr lang="ko-KR" altLang="en-US" smtClean="0"/>
-              <a:t>2023-06-13</a:t>
+              <a:t>2023-06-14</a:t>
             </a:fld>
             <a:endParaRPr lang="ko-KR" altLang="en-US"/>
           </a:p>
@@ -2401,7 +2406,7 @@
           <a:p>
             <a:fld id="{40ABF17A-5FDE-47E5-A111-BE611ECC92B5}" type="datetimeFigureOut">
               <a:rPr lang="ko-KR" altLang="en-US" smtClean="0"/>
-              <a:t>2023-06-13</a:t>
+              <a:t>2023-06-14</a:t>
             </a:fld>
             <a:endParaRPr lang="ko-KR" altLang="en-US"/>
           </a:p>
@@ -2689,7 +2694,7 @@
           <a:p>
             <a:fld id="{40ABF17A-5FDE-47E5-A111-BE611ECC92B5}" type="datetimeFigureOut">
               <a:rPr lang="ko-KR" altLang="en-US" smtClean="0"/>
-              <a:t>2023-06-13</a:t>
+              <a:t>2023-06-14</a:t>
             </a:fld>
             <a:endParaRPr lang="ko-KR" altLang="en-US"/>
           </a:p>
@@ -2930,7 +2935,7 @@
           <a:p>
             <a:fld id="{40ABF17A-5FDE-47E5-A111-BE611ECC92B5}" type="datetimeFigureOut">
               <a:rPr lang="ko-KR" altLang="en-US" smtClean="0"/>
-              <a:t>2023-06-13</a:t>
+              <a:t>2023-06-14</a:t>
             </a:fld>
             <a:endParaRPr lang="ko-KR" altLang="en-US"/>
           </a:p>
@@ -26881,7 +26886,7 @@
           <p:nvPr>
             <p:extLst>
               <p:ext uri="{D42A27DB-BD31-4B8C-83A1-F6EECF244321}">
-                <p14:modId xmlns:p14="http://schemas.microsoft.com/office/powerpoint/2010/main" val="674877394"/>
+                <p14:modId xmlns:p14="http://schemas.microsoft.com/office/powerpoint/2010/main" val="3628883267"/>
               </p:ext>
             </p:extLst>
           </p:nvPr>
@@ -26939,7 +26944,7 @@
                             <a:schemeClr val="tx1"/>
                           </a:solidFill>
                         </a:rPr>
-                        <a:t>7</a:t>
+                        <a:t>2</a:t>
                       </a:r>
                       <a:endParaRPr lang="ko-KR" altLang="en-US" sz="1000" b="1" dirty="0">
                         <a:solidFill>
